--- a/CodeReviews-LKPUG.pptx
+++ b/CodeReviews-LKPUG.pptx
@@ -409,7 +409,7 @@
             <a:fld id="{872EC89E-B9CB-41F6-AE70-4A2C12686F85}" type="datetimeFigureOut">
               <a:rPr lang="en-US" smtClean="0"/>
               <a:pPr/>
-              <a:t>1/13/2013</a:t>
+              <a:t>1/16/2013</a:t>
             </a:fld>
             <a:endParaRPr lang="en-US"/>
           </a:p>
@@ -576,7 +576,7 @@
             <a:fld id="{872EC89E-B9CB-41F6-AE70-4A2C12686F85}" type="datetimeFigureOut">
               <a:rPr lang="en-US" smtClean="0"/>
               <a:pPr/>
-              <a:t>1/13/2013</a:t>
+              <a:t>1/16/2013</a:t>
             </a:fld>
             <a:endParaRPr lang="en-US"/>
           </a:p>
@@ -753,7 +753,7 @@
             <a:fld id="{872EC89E-B9CB-41F6-AE70-4A2C12686F85}" type="datetimeFigureOut">
               <a:rPr lang="en-US" smtClean="0"/>
               <a:pPr/>
-              <a:t>1/13/2013</a:t>
+              <a:t>1/16/2013</a:t>
             </a:fld>
             <a:endParaRPr lang="en-US"/>
           </a:p>
@@ -902,7 +902,7 @@
             <a:fld id="{872EC89E-B9CB-41F6-AE70-4A2C12686F85}" type="datetimeFigureOut">
               <a:rPr lang="en-US" smtClean="0"/>
               <a:pPr/>
-              <a:t>1/13/2013</a:t>
+              <a:t>1/16/2013</a:t>
             </a:fld>
             <a:endParaRPr lang="en-US"/>
           </a:p>
@@ -983,6 +983,370 @@
   <p:clrMapOvr>
     <a:masterClrMapping/>
   </p:clrMapOvr>
+  <p:timing>
+    <p:tnLst>
+      <p:par>
+        <p:cTn id="1" dur="indefinite" restart="never" nodeType="tmRoot">
+          <p:childTnLst>
+            <p:seq concurrent="1" nextAc="seek">
+              <p:cTn id="2" dur="indefinite" nodeType="mainSeq">
+                <p:childTnLst>
+                  <p:par>
+                    <p:cTn id="3" fill="hold">
+                      <p:stCondLst>
+                        <p:cond delay="indefinite"/>
+                      </p:stCondLst>
+                      <p:childTnLst>
+                        <p:par>
+                          <p:cTn id="4" fill="hold">
+                            <p:stCondLst>
+                              <p:cond delay="0"/>
+                            </p:stCondLst>
+                            <p:childTnLst>
+                              <p:par>
+                                <p:cTn id="5" presetID="1" presetClass="entr" presetSubtype="0" fill="hold" grpId="0" nodeType="clickEffect">
+                                  <p:stCondLst>
+                                    <p:cond delay="0"/>
+                                  </p:stCondLst>
+                                  <p:childTnLst>
+                                    <p:set>
+                                      <p:cBhvr>
+                                        <p:cTn id="6" dur="1" fill="hold">
+                                          <p:stCondLst>
+                                            <p:cond delay="0"/>
+                                          </p:stCondLst>
+                                        </p:cTn>
+                                        <p:tgtEl>
+                                          <p:spTgt spid="9">
+                                            <p:txEl>
+                                              <p:pRg st="0" end="0"/>
+                                            </p:txEl>
+                                          </p:spTgt>
+                                        </p:tgtEl>
+                                        <p:attrNameLst>
+                                          <p:attrName>style.visibility</p:attrName>
+                                        </p:attrNameLst>
+                                      </p:cBhvr>
+                                      <p:to>
+                                        <p:strVal val="visible"/>
+                                      </p:to>
+                                    </p:set>
+                                  </p:childTnLst>
+                                </p:cTn>
+                              </p:par>
+                              <p:par>
+                                <p:cTn id="7" presetID="1" presetClass="entr" presetSubtype="0" fill="hold" grpId="0" nodeType="withEffect">
+                                  <p:stCondLst>
+                                    <p:cond delay="0"/>
+                                  </p:stCondLst>
+                                  <p:childTnLst>
+                                    <p:set>
+                                      <p:cBhvr>
+                                        <p:cTn id="8" dur="1" fill="hold">
+                                          <p:stCondLst>
+                                            <p:cond delay="0"/>
+                                          </p:stCondLst>
+                                        </p:cTn>
+                                        <p:tgtEl>
+                                          <p:spTgt spid="9">
+                                            <p:txEl>
+                                              <p:pRg st="1" end="1"/>
+                                            </p:txEl>
+                                          </p:spTgt>
+                                        </p:tgtEl>
+                                        <p:attrNameLst>
+                                          <p:attrName>style.visibility</p:attrName>
+                                        </p:attrNameLst>
+                                      </p:cBhvr>
+                                      <p:to>
+                                        <p:strVal val="visible"/>
+                                      </p:to>
+                                    </p:set>
+                                  </p:childTnLst>
+                                </p:cTn>
+                              </p:par>
+                              <p:par>
+                                <p:cTn id="9" presetID="1" presetClass="entr" presetSubtype="0" fill="hold" grpId="0" nodeType="withEffect">
+                                  <p:stCondLst>
+                                    <p:cond delay="0"/>
+                                  </p:stCondLst>
+                                  <p:childTnLst>
+                                    <p:set>
+                                      <p:cBhvr>
+                                        <p:cTn id="10" dur="1" fill="hold">
+                                          <p:stCondLst>
+                                            <p:cond delay="0"/>
+                                          </p:stCondLst>
+                                        </p:cTn>
+                                        <p:tgtEl>
+                                          <p:spTgt spid="9">
+                                            <p:txEl>
+                                              <p:pRg st="2" end="2"/>
+                                            </p:txEl>
+                                          </p:spTgt>
+                                        </p:tgtEl>
+                                        <p:attrNameLst>
+                                          <p:attrName>style.visibility</p:attrName>
+                                        </p:attrNameLst>
+                                      </p:cBhvr>
+                                      <p:to>
+                                        <p:strVal val="visible"/>
+                                      </p:to>
+                                    </p:set>
+                                  </p:childTnLst>
+                                </p:cTn>
+                              </p:par>
+                              <p:par>
+                                <p:cTn id="11" presetID="1" presetClass="entr" presetSubtype="0" fill="hold" grpId="0" nodeType="withEffect">
+                                  <p:stCondLst>
+                                    <p:cond delay="0"/>
+                                  </p:stCondLst>
+                                  <p:childTnLst>
+                                    <p:set>
+                                      <p:cBhvr>
+                                        <p:cTn id="12" dur="1" fill="hold">
+                                          <p:stCondLst>
+                                            <p:cond delay="0"/>
+                                          </p:stCondLst>
+                                        </p:cTn>
+                                        <p:tgtEl>
+                                          <p:spTgt spid="9">
+                                            <p:txEl>
+                                              <p:pRg st="3" end="3"/>
+                                            </p:txEl>
+                                          </p:spTgt>
+                                        </p:tgtEl>
+                                        <p:attrNameLst>
+                                          <p:attrName>style.visibility</p:attrName>
+                                        </p:attrNameLst>
+                                      </p:cBhvr>
+                                      <p:to>
+                                        <p:strVal val="visible"/>
+                                      </p:to>
+                                    </p:set>
+                                  </p:childTnLst>
+                                </p:cTn>
+                              </p:par>
+                              <p:par>
+                                <p:cTn id="13" presetID="1" presetClass="entr" presetSubtype="0" fill="hold" grpId="0" nodeType="withEffect">
+                                  <p:stCondLst>
+                                    <p:cond delay="0"/>
+                                  </p:stCondLst>
+                                  <p:childTnLst>
+                                    <p:set>
+                                      <p:cBhvr>
+                                        <p:cTn id="14" dur="1" fill="hold">
+                                          <p:stCondLst>
+                                            <p:cond delay="0"/>
+                                          </p:stCondLst>
+                                        </p:cTn>
+                                        <p:tgtEl>
+                                          <p:spTgt spid="9">
+                                            <p:txEl>
+                                              <p:pRg st="4" end="4"/>
+                                            </p:txEl>
+                                          </p:spTgt>
+                                        </p:tgtEl>
+                                        <p:attrNameLst>
+                                          <p:attrName>style.visibility</p:attrName>
+                                        </p:attrNameLst>
+                                      </p:cBhvr>
+                                      <p:to>
+                                        <p:strVal val="visible"/>
+                                      </p:to>
+                                    </p:set>
+                                  </p:childTnLst>
+                                </p:cTn>
+                              </p:par>
+                            </p:childTnLst>
+                          </p:cTn>
+                        </p:par>
+                      </p:childTnLst>
+                    </p:cTn>
+                  </p:par>
+                </p:childTnLst>
+              </p:cTn>
+              <p:prevCondLst>
+                <p:cond evt="onPrev" delay="0">
+                  <p:tgtEl>
+                    <p:sldTgt/>
+                  </p:tgtEl>
+                </p:cond>
+              </p:prevCondLst>
+              <p:nextCondLst>
+                <p:cond evt="onNext" delay="0">
+                  <p:tgtEl>
+                    <p:sldTgt/>
+                  </p:tgtEl>
+                </p:cond>
+              </p:nextCondLst>
+            </p:seq>
+          </p:childTnLst>
+        </p:cTn>
+      </p:par>
+    </p:tnLst>
+    <p:bldLst>
+      <p:bldP spid="9" grpId="0" build="p">
+        <p:tmplLst>
+          <p:tmpl lvl="1">
+            <p:tnLst>
+              <p:par>
+                <p:cTn presetID="1" presetClass="entr" presetSubtype="0" fill="hold" nodeType="clickEffect">
+                  <p:stCondLst>
+                    <p:cond delay="0"/>
+                  </p:stCondLst>
+                  <p:childTnLst>
+                    <p:set>
+                      <p:cBhvr>
+                        <p:cTn dur="1" fill="hold">
+                          <p:stCondLst>
+                            <p:cond delay="0"/>
+                          </p:stCondLst>
+                        </p:cTn>
+                        <p:tgtEl>
+                          <p:spTgt spid="9"/>
+                        </p:tgtEl>
+                        <p:attrNameLst>
+                          <p:attrName>style.visibility</p:attrName>
+                        </p:attrNameLst>
+                      </p:cBhvr>
+                      <p:to>
+                        <p:strVal val="visible"/>
+                      </p:to>
+                    </p:set>
+                  </p:childTnLst>
+                </p:cTn>
+              </p:par>
+            </p:tnLst>
+          </p:tmpl>
+          <p:tmpl lvl="2">
+            <p:tnLst>
+              <p:par>
+                <p:cTn presetID="1" presetClass="entr" presetSubtype="0" fill="hold" nodeType="withEffect">
+                  <p:stCondLst>
+                    <p:cond delay="0"/>
+                  </p:stCondLst>
+                  <p:childTnLst>
+                    <p:set>
+                      <p:cBhvr>
+                        <p:cTn dur="1" fill="hold">
+                          <p:stCondLst>
+                            <p:cond delay="0"/>
+                          </p:stCondLst>
+                        </p:cTn>
+                        <p:tgtEl>
+                          <p:spTgt spid="9"/>
+                        </p:tgtEl>
+                        <p:attrNameLst>
+                          <p:attrName>style.visibility</p:attrName>
+                        </p:attrNameLst>
+                      </p:cBhvr>
+                      <p:to>
+                        <p:strVal val="visible"/>
+                      </p:to>
+                    </p:set>
+                  </p:childTnLst>
+                </p:cTn>
+              </p:par>
+            </p:tnLst>
+          </p:tmpl>
+          <p:tmpl lvl="3">
+            <p:tnLst>
+              <p:par>
+                <p:cTn presetID="1" presetClass="entr" presetSubtype="0" fill="hold" nodeType="withEffect">
+                  <p:stCondLst>
+                    <p:cond delay="0"/>
+                  </p:stCondLst>
+                  <p:childTnLst>
+                    <p:set>
+                      <p:cBhvr>
+                        <p:cTn dur="1" fill="hold">
+                          <p:stCondLst>
+                            <p:cond delay="0"/>
+                          </p:stCondLst>
+                        </p:cTn>
+                        <p:tgtEl>
+                          <p:spTgt spid="9"/>
+                        </p:tgtEl>
+                        <p:attrNameLst>
+                          <p:attrName>style.visibility</p:attrName>
+                        </p:attrNameLst>
+                      </p:cBhvr>
+                      <p:to>
+                        <p:strVal val="visible"/>
+                      </p:to>
+                    </p:set>
+                  </p:childTnLst>
+                </p:cTn>
+              </p:par>
+            </p:tnLst>
+          </p:tmpl>
+          <p:tmpl lvl="4">
+            <p:tnLst>
+              <p:par>
+                <p:cTn presetID="1" presetClass="entr" presetSubtype="0" fill="hold" nodeType="withEffect">
+                  <p:stCondLst>
+                    <p:cond delay="0"/>
+                  </p:stCondLst>
+                  <p:childTnLst>
+                    <p:set>
+                      <p:cBhvr>
+                        <p:cTn dur="1" fill="hold">
+                          <p:stCondLst>
+                            <p:cond delay="0"/>
+                          </p:stCondLst>
+                        </p:cTn>
+                        <p:tgtEl>
+                          <p:spTgt spid="9"/>
+                        </p:tgtEl>
+                        <p:attrNameLst>
+                          <p:attrName>style.visibility</p:attrName>
+                        </p:attrNameLst>
+                      </p:cBhvr>
+                      <p:to>
+                        <p:strVal val="visible"/>
+                      </p:to>
+                    </p:set>
+                  </p:childTnLst>
+                </p:cTn>
+              </p:par>
+            </p:tnLst>
+          </p:tmpl>
+          <p:tmpl lvl="5">
+            <p:tnLst>
+              <p:par>
+                <p:cTn presetID="1" presetClass="entr" presetSubtype="0" fill="hold" nodeType="withEffect">
+                  <p:stCondLst>
+                    <p:cond delay="0"/>
+                  </p:stCondLst>
+                  <p:childTnLst>
+                    <p:set>
+                      <p:cBhvr>
+                        <p:cTn dur="1" fill="hold">
+                          <p:stCondLst>
+                            <p:cond delay="0"/>
+                          </p:stCondLst>
+                        </p:cTn>
+                        <p:tgtEl>
+                          <p:spTgt spid="9"/>
+                        </p:tgtEl>
+                        <p:attrNameLst>
+                          <p:attrName>style.visibility</p:attrName>
+                        </p:attrNameLst>
+                      </p:cBhvr>
+                      <p:to>
+                        <p:strVal val="visible"/>
+                      </p:to>
+                    </p:set>
+                  </p:childTnLst>
+                </p:cTn>
+              </p:par>
+            </p:tnLst>
+          </p:tmpl>
+        </p:tmplLst>
+      </p:bldP>
+    </p:bldLst>
+  </p:timing>
 </p:sldLayout>
 </file>
 
@@ -1021,7 +1385,7 @@
             <a:fld id="{872EC89E-B9CB-41F6-AE70-4A2C12686F85}" type="datetimeFigureOut">
               <a:rPr lang="en-US" smtClean="0"/>
               <a:pPr/>
-              <a:t>1/13/2013</a:t>
+              <a:t>1/16/2013</a:t>
             </a:fld>
             <a:endParaRPr lang="en-US"/>
           </a:p>
@@ -1293,7 +1657,7 @@
             <a:fld id="{872EC89E-B9CB-41F6-AE70-4A2C12686F85}" type="datetimeFigureOut">
               <a:rPr lang="en-US" smtClean="0"/>
               <a:pPr/>
-              <a:t>1/13/2013</a:t>
+              <a:t>1/16/2013</a:t>
             </a:fld>
             <a:endParaRPr lang="en-US"/>
           </a:p>
@@ -1565,7 +1929,7 @@
             <a:fld id="{872EC89E-B9CB-41F6-AE70-4A2C12686F85}" type="datetimeFigureOut">
               <a:rPr lang="en-US" smtClean="0"/>
               <a:pPr/>
-              <a:t>1/13/2013</a:t>
+              <a:t>1/16/2013</a:t>
             </a:fld>
             <a:endParaRPr lang="en-US"/>
           </a:p>
@@ -2013,7 +2377,7 @@
             <a:fld id="{872EC89E-B9CB-41F6-AE70-4A2C12686F85}" type="datetimeFigureOut">
               <a:rPr lang="en-US" smtClean="0"/>
               <a:pPr/>
-              <a:t>1/13/2013</a:t>
+              <a:t>1/16/2013</a:t>
             </a:fld>
             <a:endParaRPr lang="en-US"/>
           </a:p>
@@ -2128,7 +2492,7 @@
             <a:fld id="{872EC89E-B9CB-41F6-AE70-4A2C12686F85}" type="datetimeFigureOut">
               <a:rPr lang="en-US" smtClean="0"/>
               <a:pPr/>
-              <a:t>1/13/2013</a:t>
+              <a:t>1/16/2013</a:t>
             </a:fld>
             <a:endParaRPr lang="en-US"/>
           </a:p>
@@ -2380,7 +2744,7 @@
             <a:fld id="{872EC89E-B9CB-41F6-AE70-4A2C12686F85}" type="datetimeFigureOut">
               <a:rPr lang="en-US" smtClean="0"/>
               <a:pPr/>
-              <a:t>1/13/2013</a:t>
+              <a:t>1/16/2013</a:t>
             </a:fld>
             <a:endParaRPr lang="en-US"/>
           </a:p>
@@ -2622,7 +2986,7 @@
             <a:fld id="{872EC89E-B9CB-41F6-AE70-4A2C12686F85}" type="datetimeFigureOut">
               <a:rPr lang="en-US" smtClean="0"/>
               <a:pPr/>
-              <a:t>1/13/2013</a:t>
+              <a:t>1/16/2013</a:t>
             </a:fld>
             <a:endParaRPr lang="en-US"/>
           </a:p>
@@ -2797,7 +3161,7 @@
             <a:fld id="{872EC89E-B9CB-41F6-AE70-4A2C12686F85}" type="datetimeFigureOut">
               <a:rPr lang="en-US" smtClean="0"/>
               <a:pPr/>
-              <a:t>1/13/2013</a:t>
+              <a:t>1/16/2013</a:t>
             </a:fld>
             <a:endParaRPr lang="en-US"/>
           </a:p>
@@ -3349,6 +3713,13 @@
   <p:clrMapOvr>
     <a:masterClrMapping/>
   </p:clrMapOvr>
+  <p:timing>
+    <p:tnLst>
+      <p:par>
+        <p:cTn id="1" dur="indefinite" restart="never" nodeType="tmRoot"/>
+      </p:par>
+    </p:tnLst>
+  </p:timing>
 </p:sld>
 </file>
 
@@ -3458,6 +3829,13 @@
   <p:clrMapOvr>
     <a:masterClrMapping/>
   </p:clrMapOvr>
+  <p:timing>
+    <p:tnLst>
+      <p:par>
+        <p:cTn id="1" dur="indefinite" restart="never" nodeType="tmRoot"/>
+      </p:par>
+    </p:tnLst>
+  </p:timing>
 </p:sld>
 </file>
 
@@ -3561,15 +3939,7 @@
             </a:r>
             <a:r>
               <a:rPr lang="en-US" b="1" i="1" dirty="0" smtClean="0"/>
-              <a:t>Peer </a:t>
-            </a:r>
-            <a:r>
-              <a:rPr lang="en-US" b="1" i="1" dirty="0" smtClean="0"/>
-              <a:t>Reviews in Software: A Practical </a:t>
-            </a:r>
-            <a:r>
-              <a:rPr lang="en-US" b="1" i="1" dirty="0" smtClean="0"/>
-              <a:t>Guide</a:t>
+              <a:t>Peer Reviews in Software: A Practical Guide</a:t>
             </a:r>
             <a:r>
               <a:rPr lang="en-US" dirty="0" smtClean="0"/>
@@ -3583,19 +3953,12 @@
               <a:rPr lang="en-US" sz="1800" dirty="0" smtClean="0">
                 <a:hlinkClick r:id="rId5"/>
               </a:rPr>
-              <a:t>http</a:t>
-            </a:r>
-            <a:r>
-              <a:rPr lang="en-US" sz="1800" dirty="0" smtClean="0">
-                <a:hlinkClick r:id="rId5"/>
-              </a:rPr>
-              <a:t>://amzn.com/0201734850</a:t>
+              <a:t>http://amzn.com/0201734850</a:t>
             </a:r>
             <a:r>
               <a:rPr lang="en-US" sz="1800" dirty="0" smtClean="0"/>
               <a:t>)</a:t>
             </a:r>
-            <a:endParaRPr lang="en-US" sz="1800" dirty="0" smtClean="0"/>
           </a:p>
         </p:txBody>
       </p:sp>
@@ -3627,6 +3990,13 @@
   <p:clrMapOvr>
     <a:masterClrMapping/>
   </p:clrMapOvr>
+  <p:timing>
+    <p:tnLst>
+      <p:par>
+        <p:cTn id="1" dur="indefinite" restart="never" nodeType="tmRoot"/>
+      </p:par>
+    </p:tnLst>
+  </p:timing>
 </p:sld>
 </file>
 
@@ -3668,18 +4038,25 @@
             </a:r>
             <a:r>
               <a:rPr lang="en-US" dirty="0" smtClean="0"/>
-              <a:t>: TBA</a:t>
-            </a:r>
-          </a:p>
-          <a:p>
-            <a:r>
-              <a:rPr lang="en-US" dirty="0" smtClean="0"/>
-              <a:t>Email: </a:t>
+              <a:t>: </a:t>
             </a:r>
             <a:r>
               <a:rPr lang="en-US" dirty="0" smtClean="0">
                 <a:hlinkClick r:id="rId2"/>
               </a:rPr>
+              <a:t>http://joind.in/talk/view/8065</a:t>
+            </a:r>
+            <a:endParaRPr lang="en-US" dirty="0" smtClean="0"/>
+          </a:p>
+          <a:p>
+            <a:r>
+              <a:rPr lang="en-US" dirty="0" smtClean="0"/>
+              <a:t>Email: </a:t>
+            </a:r>
+            <a:r>
+              <a:rPr lang="en-US" dirty="0" smtClean="0">
+                <a:hlinkClick r:id="rId3"/>
+              </a:rPr>
               <a:t>patrick.schwisow@gmail.com</a:t>
             </a:r>
             <a:endParaRPr lang="en-US" dirty="0" smtClean="0"/>
@@ -3696,7 +4073,7 @@
               <a:t>Code and Slides on </a:t>
             </a:r>
             <a:r>
-              <a:rPr lang="en-US" smtClean="0"/>
+              <a:rPr lang="en-US" dirty="0" err="1" smtClean="0"/>
               <a:t>github</a:t>
             </a:r>
             <a:r>
@@ -3705,7 +4082,7 @@
             </a:r>
             <a:r>
               <a:rPr lang="en-US" sz="2400" dirty="0" smtClean="0">
-                <a:hlinkClick r:id="rId3"/>
+                <a:hlinkClick r:id="rId4"/>
               </a:rPr>
               <a:t>https://github.com/PSchwisow/Miscellaneous/</a:t>
             </a:r>
@@ -3741,6 +4118,13 @@
   <p:clrMapOvr>
     <a:masterClrMapping/>
   </p:clrMapOvr>
+  <p:timing>
+    <p:tnLst>
+      <p:par>
+        <p:cTn id="1" dur="indefinite" restart="never" nodeType="tmRoot"/>
+      </p:par>
+    </p:tnLst>
+  </p:timing>
 </p:sld>
 </file>
 
@@ -3882,6 +4266,13 @@
   <p:clrMapOvr>
     <a:masterClrMapping/>
   </p:clrMapOvr>
+  <p:timing>
+    <p:tnLst>
+      <p:par>
+        <p:cTn id="1" dur="indefinite" restart="never" nodeType="tmRoot"/>
+      </p:par>
+    </p:tnLst>
+  </p:timing>
 </p:sld>
 </file>
 
@@ -4000,6 +4391,13 @@
   <p:clrMapOvr>
     <a:masterClrMapping/>
   </p:clrMapOvr>
+  <p:timing>
+    <p:tnLst>
+      <p:par>
+        <p:cTn id="1" dur="indefinite" restart="never" nodeType="tmRoot"/>
+      </p:par>
+    </p:tnLst>
+  </p:timing>
 </p:sld>
 </file>
 
@@ -4037,15 +4435,7 @@
           <a:p>
             <a:r>
               <a:rPr lang="en-US" dirty="0" smtClean="0"/>
-              <a:t>C</a:t>
-            </a:r>
-            <a:r>
-              <a:rPr lang="en-US" dirty="0" smtClean="0"/>
-              <a:t>ode r</a:t>
-            </a:r>
-            <a:r>
-              <a:rPr lang="en-US" dirty="0" smtClean="0"/>
-              <a:t>eview by a fellow team member</a:t>
+              <a:t>Code review by a fellow team member</a:t>
             </a:r>
           </a:p>
           <a:p>
@@ -4053,7 +4443,6 @@
               <a:rPr lang="en-US" dirty="0" smtClean="0"/>
               <a:t>Required part of development process</a:t>
             </a:r>
-            <a:endParaRPr lang="en-US" dirty="0" smtClean="0"/>
           </a:p>
           <a:p>
             <a:r>
@@ -4076,19 +4465,7 @@
           <a:p>
             <a:r>
               <a:rPr lang="en-US" dirty="0" smtClean="0"/>
-              <a:t>Other types of code review (by management</a:t>
-            </a:r>
-            <a:r>
-              <a:rPr lang="en-US" dirty="0" smtClean="0"/>
-              <a:t> </a:t>
-            </a:r>
-            <a:r>
-              <a:rPr lang="en-US" dirty="0" smtClean="0"/>
-              <a:t>or</a:t>
-            </a:r>
-            <a:r>
-              <a:rPr lang="en-US" dirty="0" smtClean="0"/>
-              <a:t> QA) may also be used</a:t>
+              <a:t>Other types of code review (by management or QA) may also be used</a:t>
             </a:r>
             <a:endParaRPr lang="en-US" dirty="0"/>
           </a:p>
@@ -4124,6 +4501,13 @@
   <p:clrMapOvr>
     <a:masterClrMapping/>
   </p:clrMapOvr>
+  <p:timing>
+    <p:tnLst>
+      <p:par>
+        <p:cTn id="1" dur="indefinite" restart="never" nodeType="tmRoot"/>
+      </p:par>
+    </p:tnLst>
+  </p:timing>
 </p:sld>
 </file>
 
@@ -4156,7 +4540,9 @@
         </p:nvSpPr>
         <p:spPr/>
         <p:txBody>
-          <a:bodyPr/>
+          <a:bodyPr>
+            <a:normAutofit lnSpcReduction="10000"/>
+          </a:bodyPr>
           <a:lstStyle/>
           <a:p>
             <a:r>
@@ -4194,13 +4580,18 @@
               <a:t>Functional testing </a:t>
             </a:r>
             <a:r>
-              <a:rPr lang="en-US" b="1" i="1" dirty="0" smtClean="0"/>
-              <a:t>always</a:t>
-            </a:r>
-            <a:r>
-              <a:rPr lang="en-US" dirty="0" smtClean="0"/>
-              <a:t> happens together with CR</a:t>
-            </a:r>
+              <a:rPr lang="en-US" dirty="0" smtClean="0"/>
+              <a:t>may happen </a:t>
+            </a:r>
+            <a:r>
+              <a:rPr lang="en-US" dirty="0" smtClean="0"/>
+              <a:t>together with </a:t>
+            </a:r>
+            <a:r>
+              <a:rPr lang="en-US" dirty="0" smtClean="0"/>
+              <a:t>CR or as a separate workflow step</a:t>
+            </a:r>
+            <a:endParaRPr lang="en-US" dirty="0" smtClean="0"/>
           </a:p>
           <a:p>
             <a:endParaRPr lang="en-US" dirty="0" smtClean="0"/>
@@ -4244,6 +4635,13 @@
   <p:clrMapOvr>
     <a:masterClrMapping/>
   </p:clrMapOvr>
+  <p:timing>
+    <p:tnLst>
+      <p:par>
+        <p:cTn id="1" dur="indefinite" restart="never" nodeType="tmRoot"/>
+      </p:par>
+    </p:tnLst>
+  </p:timing>
 </p:sld>
 </file>
 
@@ -4345,7 +4743,6 @@
               <a:rPr lang="en-US" sz="1800" dirty="0" smtClean="0"/>
               <a:t>)</a:t>
             </a:r>
-            <a:endParaRPr lang="en-US" sz="1800" dirty="0" smtClean="0"/>
           </a:p>
           <a:p>
             <a:r>
@@ -4370,7 +4767,6 @@
               <a:rPr lang="en-US" sz="1800" dirty="0" smtClean="0"/>
               <a:t>)</a:t>
             </a:r>
-            <a:endParaRPr lang="en-US" sz="1800" dirty="0" smtClean="0"/>
           </a:p>
           <a:p>
             <a:r>
@@ -4433,6 +4829,13 @@
   <p:clrMapOvr>
     <a:masterClrMapping/>
   </p:clrMapOvr>
+  <p:timing>
+    <p:tnLst>
+      <p:par>
+        <p:cTn id="1" dur="indefinite" restart="never" nodeType="tmRoot"/>
+      </p:par>
+    </p:tnLst>
+  </p:timing>
 </p:sld>
 </file>
 
@@ -4485,15 +4888,7 @@
             </a:r>
             <a:r>
               <a:rPr lang="en-US" dirty="0" smtClean="0"/>
-              <a:t> </a:t>
-            </a:r>
-            <a:r>
-              <a:rPr lang="en-US" dirty="0" smtClean="0"/>
-              <a:t>the changes</a:t>
-            </a:r>
-            <a:r>
-              <a:rPr lang="en-US" dirty="0" smtClean="0"/>
-              <a:t>.</a:t>
+              <a:t> the changes.</a:t>
             </a:r>
           </a:p>
           <a:p>
@@ -4501,7 +4896,6 @@
               <a:rPr lang="en-US" dirty="0" smtClean="0"/>
               <a:t>Do functional testing as much as possible (with reason).</a:t>
             </a:r>
-            <a:endParaRPr lang="en-US" dirty="0" smtClean="0"/>
           </a:p>
           <a:p>
             <a:r>
@@ -4551,6 +4945,13 @@
   <p:clrMapOvr>
     <a:masterClrMapping/>
   </p:clrMapOvr>
+  <p:timing>
+    <p:tnLst>
+      <p:par>
+        <p:cTn id="1" dur="indefinite" restart="never" nodeType="tmRoot"/>
+      </p:par>
+    </p:tnLst>
+  </p:timing>
 </p:sld>
 </file>
 
@@ -4603,11 +5004,7 @@
             </a:r>
             <a:r>
               <a:rPr lang="en-US" dirty="0" smtClean="0"/>
-              <a:t>, but it doesn’t have to be exactly how you would write it</a:t>
-            </a:r>
-            <a:r>
-              <a:rPr lang="en-US" dirty="0" smtClean="0"/>
-              <a:t>.</a:t>
+              <a:t>, but it doesn’t have to be exactly how you would write it.</a:t>
             </a:r>
           </a:p>
           <a:p>
@@ -4631,7 +5028,6 @@
               <a:rPr lang="en-US" dirty="0" smtClean="0"/>
               <a:t>.  (What was missed?)</a:t>
             </a:r>
-            <a:endParaRPr lang="en-US" dirty="0" smtClean="0"/>
           </a:p>
           <a:p>
             <a:r>
@@ -4687,6 +5083,13 @@
   <p:clrMapOvr>
     <a:masterClrMapping/>
   </p:clrMapOvr>
+  <p:timing>
+    <p:tnLst>
+      <p:par>
+        <p:cTn id="1" dur="indefinite" restart="never" nodeType="tmRoot"/>
+      </p:par>
+    </p:tnLst>
+  </p:timing>
 </p:sld>
 </file>
 
@@ -4738,15 +5141,7 @@
             </a:pPr>
             <a:r>
               <a:rPr lang="en-US" dirty="0" smtClean="0"/>
-              <a:t>Jeremy grabs </a:t>
-            </a:r>
-            <a:r>
-              <a:rPr lang="en-US" dirty="0" smtClean="0"/>
-              <a:t>ticket and writes </a:t>
-            </a:r>
-            <a:r>
-              <a:rPr lang="en-US" dirty="0" smtClean="0"/>
-              <a:t>code</a:t>
+              <a:t>Jeremy grabs ticket and writes code</a:t>
             </a:r>
           </a:p>
           <a:p>
@@ -4766,34 +5161,14 @@
             </a:pPr>
             <a:r>
               <a:rPr lang="en-US" dirty="0" smtClean="0"/>
-              <a:t>Buddy grabs </a:t>
-            </a:r>
-            <a:r>
-              <a:rPr lang="en-US" dirty="0" smtClean="0"/>
-              <a:t>ticket and </a:t>
-            </a:r>
-            <a:r>
-              <a:rPr lang="en-US" dirty="0" smtClean="0"/>
-              <a:t>does CR </a:t>
-            </a:r>
-            <a:r>
-              <a:rPr lang="en-US" dirty="0" smtClean="0"/>
-              <a:t>/ </a:t>
-            </a:r>
-            <a:r>
-              <a:rPr lang="en-US" dirty="0" smtClean="0"/>
-              <a:t>testing</a:t>
+              <a:t>Buddy grabs ticket and does CR / testing</a:t>
             </a:r>
           </a:p>
           <a:p>
             <a:pPr marL="880110" lvl="1" indent="-514350"/>
             <a:r>
               <a:rPr lang="en-US" dirty="0" smtClean="0"/>
-              <a:t>If ticket fails, re-open and send back to Jeremy, repeat as </a:t>
-            </a:r>
-            <a:r>
-              <a:rPr lang="en-US" dirty="0" smtClean="0"/>
-              <a:t>necessary</a:t>
+              <a:t>If ticket fails, re-open and send back to Jeremy, repeat as necessary</a:t>
             </a:r>
           </a:p>
           <a:p>
@@ -4802,7 +5177,6 @@
               <a:rPr lang="en-US" dirty="0" smtClean="0"/>
               <a:t>If ticket passes, Buddy moves changes to production</a:t>
             </a:r>
-            <a:endParaRPr lang="en-US" dirty="0" smtClean="0"/>
           </a:p>
           <a:p>
             <a:pPr marL="514350" indent="-514350">
@@ -4848,6 +5222,13 @@
   <p:clrMapOvr>
     <a:masterClrMapping/>
   </p:clrMapOvr>
+  <p:timing>
+    <p:tnLst>
+      <p:par>
+        <p:cTn id="1" dur="indefinite" restart="never" nodeType="tmRoot"/>
+      </p:par>
+    </p:tnLst>
+  </p:timing>
 </p:sld>
 </file>
 
